--- a/第十三课/第十三课_自动化测试框架(关键字驱动)-上.pptx
+++ b/第十三课/第十三课_自动化测试框架(关键字驱动)-上.pptx
@@ -5157,8 +5157,8 @@
         </p:nvSpPr>
         <p:spPr>
           <a:xfrm>
-            <a:off x="4825365" y="2313305"/>
-            <a:ext cx="7041515" cy="1430655"/>
+            <a:off x="4588510" y="2313305"/>
+            <a:ext cx="7278370" cy="1430655"/>
           </a:xfrm>
           <a:prstGeom prst="rect">
             <a:avLst/>
@@ -5206,7 +5206,17 @@
                 <a:latin typeface="苹方-简 中黑体"/>
                 <a:ea typeface="宋体" panose="02010600030101010101" pitchFamily="2" charset="-122"/>
               </a:rPr>
-              <a:t>数据驱动</a:t>
+              <a:t>关键字</a:t>
+            </a:r>
+            <a:r>
+              <a:rPr lang="zh-CN" altLang="en-US" sz="4400" b="0" strike="noStrike" spc="-1">
+                <a:solidFill>
+                  <a:srgbClr val="FFFFFF"/>
+                </a:solidFill>
+                <a:latin typeface="苹方-简 中黑体"/>
+                <a:ea typeface="宋体" panose="02010600030101010101" pitchFamily="2" charset="-122"/>
+              </a:rPr>
+              <a:t>驱动</a:t>
             </a:r>
             <a:r>
               <a:rPr lang="en-US" sz="4400" b="0" strike="noStrike" spc="-1">
@@ -9438,15 +9448,7 @@
                 <a:ea typeface="宋体" panose="02010600030101010101" pitchFamily="2" charset="-122"/>
                 <a:sym typeface="+mn-ea"/>
               </a:rPr>
-              <a:t>           </a:t>
-            </a:r>
-            <a:r>
-              <a:rPr lang="zh-CN" altLang="en-US" spc="-1">
-                <a:latin typeface="Arial" panose="020B0604020202020204"/>
-                <a:ea typeface="宋体" panose="02010600030101010101" pitchFamily="2" charset="-122"/>
-                <a:sym typeface="+mn-ea"/>
-              </a:rPr>
-              <a:t># 抛出异常信息给上层调用者</a:t>
+              <a:t>           # 抛出异常信息给上层调用者</a:t>
             </a:r>
             <a:endParaRPr lang="zh-CN" altLang="en-US" b="0" strike="noStrike" spc="-1">
               <a:latin typeface="Arial" panose="020B0604020202020204"/>
